--- a/figures/figure5/ensemble_panels.pptx
+++ b/figures/figure5/ensemble_panels.pptx
@@ -243,7 +243,7 @@
           <a:p>
             <a:fld id="{58CD5B7B-8E55-467D-8341-3DF613C4FD0C}" type="datetimeFigureOut">
               <a:rPr lang="LID4096" smtClean="0"/>
-              <a:t>06/17/2025</a:t>
+              <a:t>06/27/2025</a:t>
             </a:fld>
             <a:endParaRPr lang="LID4096"/>
           </a:p>
@@ -413,7 +413,7 @@
           <a:p>
             <a:fld id="{58CD5B7B-8E55-467D-8341-3DF613C4FD0C}" type="datetimeFigureOut">
               <a:rPr lang="LID4096" smtClean="0"/>
-              <a:t>06/17/2025</a:t>
+              <a:t>06/27/2025</a:t>
             </a:fld>
             <a:endParaRPr lang="LID4096"/>
           </a:p>
@@ -593,7 +593,7 @@
           <a:p>
             <a:fld id="{58CD5B7B-8E55-467D-8341-3DF613C4FD0C}" type="datetimeFigureOut">
               <a:rPr lang="LID4096" smtClean="0"/>
-              <a:t>06/17/2025</a:t>
+              <a:t>06/27/2025</a:t>
             </a:fld>
             <a:endParaRPr lang="LID4096"/>
           </a:p>
@@ -763,7 +763,7 @@
           <a:p>
             <a:fld id="{58CD5B7B-8E55-467D-8341-3DF613C4FD0C}" type="datetimeFigureOut">
               <a:rPr lang="LID4096" smtClean="0"/>
-              <a:t>06/17/2025</a:t>
+              <a:t>06/27/2025</a:t>
             </a:fld>
             <a:endParaRPr lang="LID4096"/>
           </a:p>
@@ -1009,7 +1009,7 @@
           <a:p>
             <a:fld id="{58CD5B7B-8E55-467D-8341-3DF613C4FD0C}" type="datetimeFigureOut">
               <a:rPr lang="LID4096" smtClean="0"/>
-              <a:t>06/17/2025</a:t>
+              <a:t>06/27/2025</a:t>
             </a:fld>
             <a:endParaRPr lang="LID4096"/>
           </a:p>
@@ -1241,7 +1241,7 @@
           <a:p>
             <a:fld id="{58CD5B7B-8E55-467D-8341-3DF613C4FD0C}" type="datetimeFigureOut">
               <a:rPr lang="LID4096" smtClean="0"/>
-              <a:t>06/17/2025</a:t>
+              <a:t>06/27/2025</a:t>
             </a:fld>
             <a:endParaRPr lang="LID4096"/>
           </a:p>
@@ -1608,7 +1608,7 @@
           <a:p>
             <a:fld id="{58CD5B7B-8E55-467D-8341-3DF613C4FD0C}" type="datetimeFigureOut">
               <a:rPr lang="LID4096" smtClean="0"/>
-              <a:t>06/17/2025</a:t>
+              <a:t>06/27/2025</a:t>
             </a:fld>
             <a:endParaRPr lang="LID4096"/>
           </a:p>
@@ -1726,7 +1726,7 @@
           <a:p>
             <a:fld id="{58CD5B7B-8E55-467D-8341-3DF613C4FD0C}" type="datetimeFigureOut">
               <a:rPr lang="LID4096" smtClean="0"/>
-              <a:t>06/17/2025</a:t>
+              <a:t>06/27/2025</a:t>
             </a:fld>
             <a:endParaRPr lang="LID4096"/>
           </a:p>
@@ -1821,7 +1821,7 @@
           <a:p>
             <a:fld id="{58CD5B7B-8E55-467D-8341-3DF613C4FD0C}" type="datetimeFigureOut">
               <a:rPr lang="LID4096" smtClean="0"/>
-              <a:t>06/17/2025</a:t>
+              <a:t>06/27/2025</a:t>
             </a:fld>
             <a:endParaRPr lang="LID4096"/>
           </a:p>
@@ -2098,7 +2098,7 @@
           <a:p>
             <a:fld id="{58CD5B7B-8E55-467D-8341-3DF613C4FD0C}" type="datetimeFigureOut">
               <a:rPr lang="LID4096" smtClean="0"/>
-              <a:t>06/17/2025</a:t>
+              <a:t>06/27/2025</a:t>
             </a:fld>
             <a:endParaRPr lang="LID4096"/>
           </a:p>
@@ -2355,7 +2355,7 @@
           <a:p>
             <a:fld id="{58CD5B7B-8E55-467D-8341-3DF613C4FD0C}" type="datetimeFigureOut">
               <a:rPr lang="LID4096" smtClean="0"/>
-              <a:t>06/17/2025</a:t>
+              <a:t>06/27/2025</a:t>
             </a:fld>
             <a:endParaRPr lang="LID4096"/>
           </a:p>
@@ -2568,7 +2568,7 @@
           <a:p>
             <a:fld id="{58CD5B7B-8E55-467D-8341-3DF613C4FD0C}" type="datetimeFigureOut">
               <a:rPr lang="LID4096" smtClean="0"/>
-              <a:t>06/17/2025</a:t>
+              <a:t>06/27/2025</a:t>
             </a:fld>
             <a:endParaRPr lang="LID4096"/>
           </a:p>
@@ -2973,138 +2973,12 @@
           <a:chExt cx="0" cy="0"/>
         </a:xfrm>
       </p:grpSpPr>
-      <p:sp>
-        <p:nvSpPr>
-          <p:cNvPr id="2" name="TextBox 1">
+      <p:pic>
+        <p:nvPicPr>
+          <p:cNvPr id="7" name="Graphic 6">
             <a:extLst>
               <a:ext uri="{FF2B5EF4-FFF2-40B4-BE49-F238E27FC236}">
-                <a16:creationId xmlns:a16="http://schemas.microsoft.com/office/drawing/2014/main" id="{202CF469-864C-8617-6AA7-BC7967CC6BCA}"/>
-              </a:ext>
-            </a:extLst>
-          </p:cNvPr>
-          <p:cNvSpPr txBox="1"/>
-          <p:nvPr/>
-        </p:nvSpPr>
-        <p:spPr>
-          <a:xfrm>
-            <a:off x="0" y="0"/>
-            <a:ext cx="914400" cy="646331"/>
-          </a:xfrm>
-          <a:prstGeom prst="rect">
-            <a:avLst/>
-          </a:prstGeom>
-          <a:noFill/>
-        </p:spPr>
-        <p:txBody>
-          <a:bodyPr wrap="square" rtlCol="0">
-            <a:spAutoFit/>
-          </a:bodyPr>
-          <a:lstStyle/>
-          <a:p>
-            <a:r>
-              <a:rPr lang="en-US" sz="3600" b="1">
-                <a:latin typeface="Arial" panose="020B0604020202020204" pitchFamily="34" charset="0"/>
-                <a:cs typeface="Arial" panose="020B0604020202020204" pitchFamily="34" charset="0"/>
-              </a:rPr>
-              <a:t>a</a:t>
-            </a:r>
-            <a:endParaRPr lang="LID4096" sz="3600" b="1">
-              <a:latin typeface="Arial" panose="020B0604020202020204" pitchFamily="34" charset="0"/>
-              <a:cs typeface="Arial" panose="020B0604020202020204" pitchFamily="34" charset="0"/>
-            </a:endParaRPr>
-          </a:p>
-        </p:txBody>
-      </p:sp>
-      <p:sp>
-        <p:nvSpPr>
-          <p:cNvPr id="3" name="TextBox 2">
-            <a:extLst>
-              <a:ext uri="{FF2B5EF4-FFF2-40B4-BE49-F238E27FC236}">
-                <a16:creationId xmlns:a16="http://schemas.microsoft.com/office/drawing/2014/main" id="{9EB38CD0-B672-977A-0B2D-866E71C9688D}"/>
-              </a:ext>
-            </a:extLst>
-          </p:cNvPr>
-          <p:cNvSpPr txBox="1"/>
-          <p:nvPr/>
-        </p:nvSpPr>
-        <p:spPr>
-          <a:xfrm>
-            <a:off x="0" y="7200106"/>
-            <a:ext cx="914400" cy="646331"/>
-          </a:xfrm>
-          <a:prstGeom prst="rect">
-            <a:avLst/>
-          </a:prstGeom>
-          <a:noFill/>
-        </p:spPr>
-        <p:txBody>
-          <a:bodyPr wrap="square" rtlCol="0">
-            <a:spAutoFit/>
-          </a:bodyPr>
-          <a:lstStyle/>
-          <a:p>
-            <a:r>
-              <a:rPr lang="en-US" sz="3600" b="1">
-                <a:latin typeface="Arial" panose="020B0604020202020204" pitchFamily="34" charset="0"/>
-                <a:cs typeface="Arial" panose="020B0604020202020204" pitchFamily="34" charset="0"/>
-              </a:rPr>
-              <a:t>b</a:t>
-            </a:r>
-            <a:endParaRPr lang="LID4096" sz="3600" b="1">
-              <a:latin typeface="Arial" panose="020B0604020202020204" pitchFamily="34" charset="0"/>
-              <a:cs typeface="Arial" panose="020B0604020202020204" pitchFamily="34" charset="0"/>
-            </a:endParaRPr>
-          </a:p>
-        </p:txBody>
-      </p:sp>
-      <p:sp>
-        <p:nvSpPr>
-          <p:cNvPr id="4" name="TextBox 3">
-            <a:extLst>
-              <a:ext uri="{FF2B5EF4-FFF2-40B4-BE49-F238E27FC236}">
-                <a16:creationId xmlns:a16="http://schemas.microsoft.com/office/drawing/2014/main" id="{1B0AC493-6A7F-6750-0584-86BB9B3F4340}"/>
-              </a:ext>
-            </a:extLst>
-          </p:cNvPr>
-          <p:cNvSpPr txBox="1"/>
-          <p:nvPr/>
-        </p:nvSpPr>
-        <p:spPr>
-          <a:xfrm>
-            <a:off x="6660356" y="7200105"/>
-            <a:ext cx="914400" cy="646331"/>
-          </a:xfrm>
-          <a:prstGeom prst="rect">
-            <a:avLst/>
-          </a:prstGeom>
-          <a:noFill/>
-        </p:spPr>
-        <p:txBody>
-          <a:bodyPr wrap="square" rtlCol="0">
-            <a:spAutoFit/>
-          </a:bodyPr>
-          <a:lstStyle/>
-          <a:p>
-            <a:r>
-              <a:rPr lang="en-US" sz="3600" b="1">
-                <a:latin typeface="Arial" panose="020B0604020202020204" pitchFamily="34" charset="0"/>
-                <a:cs typeface="Arial" panose="020B0604020202020204" pitchFamily="34" charset="0"/>
-              </a:rPr>
-              <a:t>c</a:t>
-            </a:r>
-            <a:endParaRPr lang="LID4096" sz="3600" b="1">
-              <a:latin typeface="Arial" panose="020B0604020202020204" pitchFamily="34" charset="0"/>
-              <a:cs typeface="Arial" panose="020B0604020202020204" pitchFamily="34" charset="0"/>
-            </a:endParaRPr>
-          </a:p>
-        </p:txBody>
-      </p:sp>
-      <p:pic>
-        <p:nvPicPr>
-          <p:cNvPr id="14" name="Graphic 13">
-            <a:extLst>
-              <a:ext uri="{FF2B5EF4-FFF2-40B4-BE49-F238E27FC236}">
-                <a16:creationId xmlns:a16="http://schemas.microsoft.com/office/drawing/2014/main" id="{9C2D8EBD-5C2F-2165-FE51-6B1A550F67A1}"/>
+                <a16:creationId xmlns:a16="http://schemas.microsoft.com/office/drawing/2014/main" id="{B06A8765-0427-58E5-35F3-88E611CD3256}"/>
               </a:ext>
             </a:extLst>
           </p:cNvPr>
@@ -3127,8 +3001,8 @@
         </p:blipFill>
         <p:spPr>
           <a:xfrm>
-            <a:off x="0" y="7846436"/>
-            <a:ext cx="6571506" cy="6271829"/>
+            <a:off x="89835" y="7643648"/>
+            <a:ext cx="6480686" cy="6185150"/>
           </a:xfrm>
           <a:prstGeom prst="rect">
             <a:avLst/>
@@ -3140,7 +3014,7 @@
           <p:cNvPr id="10" name="Graphic 9">
             <a:extLst>
               <a:ext uri="{FF2B5EF4-FFF2-40B4-BE49-F238E27FC236}">
-                <a16:creationId xmlns:a16="http://schemas.microsoft.com/office/drawing/2014/main" id="{2B31442A-C4E5-2BCF-B00C-2C24832E8E7F}"/>
+                <a16:creationId xmlns:a16="http://schemas.microsoft.com/office/drawing/2014/main" id="{984A52DC-684A-C6B4-AA6F-A33350CB83B6}"/>
               </a:ext>
             </a:extLst>
           </p:cNvPr>
@@ -3163,14 +3037,140 @@
         </p:blipFill>
         <p:spPr>
           <a:xfrm>
-            <a:off x="6660356" y="7846436"/>
-            <a:ext cx="6571506" cy="6350986"/>
+            <a:off x="6570521" y="7643648"/>
+            <a:ext cx="6480686" cy="6263214"/>
           </a:xfrm>
           <a:prstGeom prst="rect">
             <a:avLst/>
           </a:prstGeom>
         </p:spPr>
       </p:pic>
+      <p:sp>
+        <p:nvSpPr>
+          <p:cNvPr id="2" name="TextBox 1">
+            <a:extLst>
+              <a:ext uri="{FF2B5EF4-FFF2-40B4-BE49-F238E27FC236}">
+                <a16:creationId xmlns:a16="http://schemas.microsoft.com/office/drawing/2014/main" id="{202CF469-864C-8617-6AA7-BC7967CC6BCA}"/>
+              </a:ext>
+            </a:extLst>
+          </p:cNvPr>
+          <p:cNvSpPr txBox="1"/>
+          <p:nvPr/>
+        </p:nvSpPr>
+        <p:spPr>
+          <a:xfrm>
+            <a:off x="0" y="0"/>
+            <a:ext cx="914400" cy="646331"/>
+          </a:xfrm>
+          <a:prstGeom prst="rect">
+            <a:avLst/>
+          </a:prstGeom>
+          <a:noFill/>
+        </p:spPr>
+        <p:txBody>
+          <a:bodyPr wrap="square" rtlCol="0">
+            <a:spAutoFit/>
+          </a:bodyPr>
+          <a:lstStyle/>
+          <a:p>
+            <a:r>
+              <a:rPr lang="en-US" sz="3600" b="1">
+                <a:latin typeface="Arial" panose="020B0604020202020204" pitchFamily="34" charset="0"/>
+                <a:cs typeface="Arial" panose="020B0604020202020204" pitchFamily="34" charset="0"/>
+              </a:rPr>
+              <a:t>a</a:t>
+            </a:r>
+            <a:endParaRPr lang="LID4096" sz="3600" b="1">
+              <a:latin typeface="Arial" panose="020B0604020202020204" pitchFamily="34" charset="0"/>
+              <a:cs typeface="Arial" panose="020B0604020202020204" pitchFamily="34" charset="0"/>
+            </a:endParaRPr>
+          </a:p>
+        </p:txBody>
+      </p:sp>
+      <p:sp>
+        <p:nvSpPr>
+          <p:cNvPr id="3" name="TextBox 2">
+            <a:extLst>
+              <a:ext uri="{FF2B5EF4-FFF2-40B4-BE49-F238E27FC236}">
+                <a16:creationId xmlns:a16="http://schemas.microsoft.com/office/drawing/2014/main" id="{9EB38CD0-B672-977A-0B2D-866E71C9688D}"/>
+              </a:ext>
+            </a:extLst>
+          </p:cNvPr>
+          <p:cNvSpPr txBox="1"/>
+          <p:nvPr/>
+        </p:nvSpPr>
+        <p:spPr>
+          <a:xfrm>
+            <a:off x="0" y="7200106"/>
+            <a:ext cx="914400" cy="646331"/>
+          </a:xfrm>
+          <a:prstGeom prst="rect">
+            <a:avLst/>
+          </a:prstGeom>
+          <a:noFill/>
+        </p:spPr>
+        <p:txBody>
+          <a:bodyPr wrap="square" rtlCol="0">
+            <a:spAutoFit/>
+          </a:bodyPr>
+          <a:lstStyle/>
+          <a:p>
+            <a:r>
+              <a:rPr lang="en-US" sz="3600" b="1">
+                <a:latin typeface="Arial" panose="020B0604020202020204" pitchFamily="34" charset="0"/>
+                <a:cs typeface="Arial" panose="020B0604020202020204" pitchFamily="34" charset="0"/>
+              </a:rPr>
+              <a:t>b</a:t>
+            </a:r>
+            <a:endParaRPr lang="LID4096" sz="3600" b="1">
+              <a:latin typeface="Arial" panose="020B0604020202020204" pitchFamily="34" charset="0"/>
+              <a:cs typeface="Arial" panose="020B0604020202020204" pitchFamily="34" charset="0"/>
+            </a:endParaRPr>
+          </a:p>
+        </p:txBody>
+      </p:sp>
+      <p:sp>
+        <p:nvSpPr>
+          <p:cNvPr id="4" name="TextBox 3">
+            <a:extLst>
+              <a:ext uri="{FF2B5EF4-FFF2-40B4-BE49-F238E27FC236}">
+                <a16:creationId xmlns:a16="http://schemas.microsoft.com/office/drawing/2014/main" id="{1B0AC493-6A7F-6750-0584-86BB9B3F4340}"/>
+              </a:ext>
+            </a:extLst>
+          </p:cNvPr>
+          <p:cNvSpPr txBox="1"/>
+          <p:nvPr/>
+        </p:nvSpPr>
+        <p:spPr>
+          <a:xfrm>
+            <a:off x="6660356" y="7200105"/>
+            <a:ext cx="914400" cy="646331"/>
+          </a:xfrm>
+          <a:prstGeom prst="rect">
+            <a:avLst/>
+          </a:prstGeom>
+          <a:noFill/>
+        </p:spPr>
+        <p:txBody>
+          <a:bodyPr wrap="square" rtlCol="0">
+            <a:spAutoFit/>
+          </a:bodyPr>
+          <a:lstStyle/>
+          <a:p>
+            <a:r>
+              <a:rPr lang="en-US" sz="3600" b="1">
+                <a:latin typeface="Arial" panose="020B0604020202020204" pitchFamily="34" charset="0"/>
+                <a:cs typeface="Arial" panose="020B0604020202020204" pitchFamily="34" charset="0"/>
+              </a:rPr>
+              <a:t>c</a:t>
+            </a:r>
+            <a:endParaRPr lang="LID4096" sz="3600" b="1">
+              <a:latin typeface="Arial" panose="020B0604020202020204" pitchFamily="34" charset="0"/>
+              <a:cs typeface="Arial" panose="020B0604020202020204" pitchFamily="34" charset="0"/>
+            </a:endParaRPr>
+          </a:p>
+        </p:txBody>
+      </p:sp>
       <p:pic>
         <p:nvPicPr>
           <p:cNvPr id="16" name="Graphic 15">
